--- a/おさらい演習20210524.pptx
+++ b/おさらい演習20210524.pptx
@@ -6,8 +6,9 @@
   </p:sldMasterIdLst>
   <p:sldIdLst>
     <p:sldId id="256" r:id="rId2"/>
-    <p:sldId id="260" r:id="rId3"/>
-    <p:sldId id="261" r:id="rId4"/>
+    <p:sldId id="261" r:id="rId3"/>
+    <p:sldId id="260" r:id="rId4"/>
+    <p:sldId id="262" r:id="rId5"/>
   </p:sldIdLst>
   <p:sldSz cx="12192000" cy="6858000"/>
   <p:notesSz cx="6858000" cy="9144000"/>
@@ -245,7 +246,7 @@
           <a:p>
             <a:fld id="{244C579F-7650-4936-A667-0D17DEB48928}" type="datetimeFigureOut">
               <a:rPr kumimoji="1" lang="ja-JP" altLang="en-US" smtClean="0"/>
-              <a:t>2021/5/21</a:t>
+              <a:t>2021/5/24</a:t>
             </a:fld>
             <a:endParaRPr kumimoji="1" lang="ja-JP" altLang="en-US"/>
           </a:p>
@@ -447,7 +448,7 @@
           <a:p>
             <a:fld id="{244C579F-7650-4936-A667-0D17DEB48928}" type="datetimeFigureOut">
               <a:rPr kumimoji="1" lang="ja-JP" altLang="en-US" smtClean="0"/>
-              <a:t>2021/5/21</a:t>
+              <a:t>2021/5/24</a:t>
             </a:fld>
             <a:endParaRPr kumimoji="1" lang="ja-JP" altLang="en-US"/>
           </a:p>
@@ -659,7 +660,7 @@
           <a:p>
             <a:fld id="{244C579F-7650-4936-A667-0D17DEB48928}" type="datetimeFigureOut">
               <a:rPr kumimoji="1" lang="ja-JP" altLang="en-US" smtClean="0"/>
-              <a:t>2021/5/21</a:t>
+              <a:t>2021/5/24</a:t>
             </a:fld>
             <a:endParaRPr kumimoji="1" lang="ja-JP" altLang="en-US"/>
           </a:p>
@@ -861,7 +862,7 @@
           <a:p>
             <a:fld id="{244C579F-7650-4936-A667-0D17DEB48928}" type="datetimeFigureOut">
               <a:rPr kumimoji="1" lang="ja-JP" altLang="en-US" smtClean="0"/>
-              <a:t>2021/5/21</a:t>
+              <a:t>2021/5/24</a:t>
             </a:fld>
             <a:endParaRPr kumimoji="1" lang="ja-JP" altLang="en-US"/>
           </a:p>
@@ -1107,7 +1108,7 @@
           <a:p>
             <a:fld id="{244C579F-7650-4936-A667-0D17DEB48928}" type="datetimeFigureOut">
               <a:rPr kumimoji="1" lang="ja-JP" altLang="en-US" smtClean="0"/>
-              <a:t>2021/5/21</a:t>
+              <a:t>2021/5/24</a:t>
             </a:fld>
             <a:endParaRPr kumimoji="1" lang="ja-JP" altLang="en-US"/>
           </a:p>
@@ -1403,7 +1404,7 @@
           <a:p>
             <a:fld id="{244C579F-7650-4936-A667-0D17DEB48928}" type="datetimeFigureOut">
               <a:rPr kumimoji="1" lang="ja-JP" altLang="en-US" smtClean="0"/>
-              <a:t>2021/5/21</a:t>
+              <a:t>2021/5/24</a:t>
             </a:fld>
             <a:endParaRPr kumimoji="1" lang="ja-JP" altLang="en-US"/>
           </a:p>
@@ -1834,7 +1835,7 @@
           <a:p>
             <a:fld id="{244C579F-7650-4936-A667-0D17DEB48928}" type="datetimeFigureOut">
               <a:rPr kumimoji="1" lang="ja-JP" altLang="en-US" smtClean="0"/>
-              <a:t>2021/5/21</a:t>
+              <a:t>2021/5/24</a:t>
             </a:fld>
             <a:endParaRPr kumimoji="1" lang="ja-JP" altLang="en-US"/>
           </a:p>
@@ -1952,7 +1953,7 @@
           <a:p>
             <a:fld id="{244C579F-7650-4936-A667-0D17DEB48928}" type="datetimeFigureOut">
               <a:rPr kumimoji="1" lang="ja-JP" altLang="en-US" smtClean="0"/>
-              <a:t>2021/5/21</a:t>
+              <a:t>2021/5/24</a:t>
             </a:fld>
             <a:endParaRPr kumimoji="1" lang="ja-JP" altLang="en-US"/>
           </a:p>
@@ -2047,7 +2048,7 @@
           <a:p>
             <a:fld id="{244C579F-7650-4936-A667-0D17DEB48928}" type="datetimeFigureOut">
               <a:rPr kumimoji="1" lang="ja-JP" altLang="en-US" smtClean="0"/>
-              <a:t>2021/5/21</a:t>
+              <a:t>2021/5/24</a:t>
             </a:fld>
             <a:endParaRPr kumimoji="1" lang="ja-JP" altLang="en-US"/>
           </a:p>
@@ -2356,7 +2357,7 @@
           <a:p>
             <a:fld id="{244C579F-7650-4936-A667-0D17DEB48928}" type="datetimeFigureOut">
               <a:rPr kumimoji="1" lang="ja-JP" altLang="en-US" smtClean="0"/>
-              <a:t>2021/5/21</a:t>
+              <a:t>2021/5/24</a:t>
             </a:fld>
             <a:endParaRPr kumimoji="1" lang="ja-JP" altLang="en-US"/>
           </a:p>
@@ -2609,7 +2610,7 @@
           <a:p>
             <a:fld id="{244C579F-7650-4936-A667-0D17DEB48928}" type="datetimeFigureOut">
               <a:rPr kumimoji="1" lang="ja-JP" altLang="en-US" smtClean="0"/>
-              <a:t>2021/5/21</a:t>
+              <a:t>2021/5/24</a:t>
             </a:fld>
             <a:endParaRPr kumimoji="1" lang="ja-JP" altLang="en-US"/>
           </a:p>
@@ -2854,7 +2855,7 @@
           <a:p>
             <a:fld id="{244C579F-7650-4936-A667-0D17DEB48928}" type="datetimeFigureOut">
               <a:rPr kumimoji="1" lang="ja-JP" altLang="en-US" smtClean="0"/>
-              <a:t>2021/5/21</a:t>
+              <a:t>2021/5/24</a:t>
             </a:fld>
             <a:endParaRPr kumimoji="1" lang="ja-JP" altLang="en-US"/>
           </a:p>
@@ -3390,10 +3391,484 @@
               <a:t>２０２１．０５．</a:t>
             </a:r>
             <a:r>
-              <a:rPr lang="ja-JP" altLang="en-US" dirty="0">
+              <a:rPr lang="ja-JP" altLang="en-US" dirty="0" smtClean="0">
                 <a:latin typeface="+mj-ea"/>
               </a:rPr>
-              <a:t>２０</a:t>
+              <a:t>２</a:t>
+            </a:r>
+            <a:r>
+              <a:rPr lang="en-US" altLang="ja-JP" dirty="0" smtClean="0">
+                <a:latin typeface="+mj-ea"/>
+              </a:rPr>
+              <a:t>1</a:t>
+            </a:r>
+          </a:p>
+        </p:txBody>
+      </p:sp>
+      <p:sp>
+        <p:nvSpPr>
+          <p:cNvPr id="3" name="コンテンツ プレースホルダー 2"/>
+          <p:cNvSpPr txBox="1">
+            <a:spLocks/>
+          </p:cNvSpPr>
+          <p:nvPr/>
+        </p:nvSpPr>
+        <p:spPr>
+          <a:xfrm>
+            <a:off x="838200" y="1825625"/>
+            <a:ext cx="10515600" cy="4351338"/>
+          </a:xfrm>
+          <a:prstGeom prst="rect">
+            <a:avLst/>
+          </a:prstGeom>
+        </p:spPr>
+        <p:txBody>
+          <a:bodyPr>
+            <a:normAutofit fontScale="92500" lnSpcReduction="10000"/>
+          </a:bodyPr>
+          <a:lstStyle>
+            <a:lvl1pPr marL="228600" indent="-228600" algn="l" defTabSz="914400" rtl="0" eaLnBrk="1" latinLnBrk="0" hangingPunct="1">
+              <a:lnSpc>
+                <a:spcPct val="90000"/>
+              </a:lnSpc>
+              <a:spcBef>
+                <a:spcPts val="1000"/>
+              </a:spcBef>
+              <a:buFont typeface="Arial" panose="020B0604020202020204" pitchFamily="34" charset="0"/>
+              <a:buChar char="•"/>
+              <a:defRPr kumimoji="1" sz="2800" kern="1200">
+                <a:solidFill>
+                  <a:schemeClr val="tx1"/>
+                </a:solidFill>
+                <a:latin typeface="+mn-lt"/>
+                <a:ea typeface="+mn-ea"/>
+                <a:cs typeface="+mn-cs"/>
+              </a:defRPr>
+            </a:lvl1pPr>
+            <a:lvl2pPr marL="685800" indent="-228600" algn="l" defTabSz="914400" rtl="0" eaLnBrk="1" latinLnBrk="0" hangingPunct="1">
+              <a:lnSpc>
+                <a:spcPct val="90000"/>
+              </a:lnSpc>
+              <a:spcBef>
+                <a:spcPts val="500"/>
+              </a:spcBef>
+              <a:buFont typeface="Arial" panose="020B0604020202020204" pitchFamily="34" charset="0"/>
+              <a:buChar char="•"/>
+              <a:defRPr kumimoji="1" sz="2400" kern="1200">
+                <a:solidFill>
+                  <a:schemeClr val="tx1"/>
+                </a:solidFill>
+                <a:latin typeface="+mn-lt"/>
+                <a:ea typeface="+mn-ea"/>
+                <a:cs typeface="+mn-cs"/>
+              </a:defRPr>
+            </a:lvl2pPr>
+            <a:lvl3pPr marL="1143000" indent="-228600" algn="l" defTabSz="914400" rtl="0" eaLnBrk="1" latinLnBrk="0" hangingPunct="1">
+              <a:lnSpc>
+                <a:spcPct val="90000"/>
+              </a:lnSpc>
+              <a:spcBef>
+                <a:spcPts val="500"/>
+              </a:spcBef>
+              <a:buFont typeface="Arial" panose="020B0604020202020204" pitchFamily="34" charset="0"/>
+              <a:buChar char="•"/>
+              <a:defRPr kumimoji="1" sz="2000" kern="1200">
+                <a:solidFill>
+                  <a:schemeClr val="tx1"/>
+                </a:solidFill>
+                <a:latin typeface="+mn-lt"/>
+                <a:ea typeface="+mn-ea"/>
+                <a:cs typeface="+mn-cs"/>
+              </a:defRPr>
+            </a:lvl3pPr>
+            <a:lvl4pPr marL="1600200" indent="-228600" algn="l" defTabSz="914400" rtl="0" eaLnBrk="1" latinLnBrk="0" hangingPunct="1">
+              <a:lnSpc>
+                <a:spcPct val="90000"/>
+              </a:lnSpc>
+              <a:spcBef>
+                <a:spcPts val="500"/>
+              </a:spcBef>
+              <a:buFont typeface="Arial" panose="020B0604020202020204" pitchFamily="34" charset="0"/>
+              <a:buChar char="•"/>
+              <a:defRPr kumimoji="1" sz="1800" kern="1200">
+                <a:solidFill>
+                  <a:schemeClr val="tx1"/>
+                </a:solidFill>
+                <a:latin typeface="+mn-lt"/>
+                <a:ea typeface="+mn-ea"/>
+                <a:cs typeface="+mn-cs"/>
+              </a:defRPr>
+            </a:lvl4pPr>
+            <a:lvl5pPr marL="2057400" indent="-228600" algn="l" defTabSz="914400" rtl="0" eaLnBrk="1" latinLnBrk="0" hangingPunct="1">
+              <a:lnSpc>
+                <a:spcPct val="90000"/>
+              </a:lnSpc>
+              <a:spcBef>
+                <a:spcPts val="500"/>
+              </a:spcBef>
+              <a:buFont typeface="Arial" panose="020B0604020202020204" pitchFamily="34" charset="0"/>
+              <a:buChar char="•"/>
+              <a:defRPr kumimoji="1" sz="1800" kern="1200">
+                <a:solidFill>
+                  <a:schemeClr val="tx1"/>
+                </a:solidFill>
+                <a:latin typeface="+mn-lt"/>
+                <a:ea typeface="+mn-ea"/>
+                <a:cs typeface="+mn-cs"/>
+              </a:defRPr>
+            </a:lvl5pPr>
+            <a:lvl6pPr marL="2514600" indent="-228600" algn="l" defTabSz="914400" rtl="0" eaLnBrk="1" latinLnBrk="0" hangingPunct="1">
+              <a:lnSpc>
+                <a:spcPct val="90000"/>
+              </a:lnSpc>
+              <a:spcBef>
+                <a:spcPts val="500"/>
+              </a:spcBef>
+              <a:buFont typeface="Arial" panose="020B0604020202020204" pitchFamily="34" charset="0"/>
+              <a:buChar char="•"/>
+              <a:defRPr kumimoji="1" sz="1800" kern="1200">
+                <a:solidFill>
+                  <a:schemeClr val="tx1"/>
+                </a:solidFill>
+                <a:latin typeface="+mn-lt"/>
+                <a:ea typeface="+mn-ea"/>
+                <a:cs typeface="+mn-cs"/>
+              </a:defRPr>
+            </a:lvl6pPr>
+            <a:lvl7pPr marL="2971800" indent="-228600" algn="l" defTabSz="914400" rtl="0" eaLnBrk="1" latinLnBrk="0" hangingPunct="1">
+              <a:lnSpc>
+                <a:spcPct val="90000"/>
+              </a:lnSpc>
+              <a:spcBef>
+                <a:spcPts val="500"/>
+              </a:spcBef>
+              <a:buFont typeface="Arial" panose="020B0604020202020204" pitchFamily="34" charset="0"/>
+              <a:buChar char="•"/>
+              <a:defRPr kumimoji="1" sz="1800" kern="1200">
+                <a:solidFill>
+                  <a:schemeClr val="tx1"/>
+                </a:solidFill>
+                <a:latin typeface="+mn-lt"/>
+                <a:ea typeface="+mn-ea"/>
+                <a:cs typeface="+mn-cs"/>
+              </a:defRPr>
+            </a:lvl7pPr>
+            <a:lvl8pPr marL="3429000" indent="-228600" algn="l" defTabSz="914400" rtl="0" eaLnBrk="1" latinLnBrk="0" hangingPunct="1">
+              <a:lnSpc>
+                <a:spcPct val="90000"/>
+              </a:lnSpc>
+              <a:spcBef>
+                <a:spcPts val="500"/>
+              </a:spcBef>
+              <a:buFont typeface="Arial" panose="020B0604020202020204" pitchFamily="34" charset="0"/>
+              <a:buChar char="•"/>
+              <a:defRPr kumimoji="1" sz="1800" kern="1200">
+                <a:solidFill>
+                  <a:schemeClr val="tx1"/>
+                </a:solidFill>
+                <a:latin typeface="+mn-lt"/>
+                <a:ea typeface="+mn-ea"/>
+                <a:cs typeface="+mn-cs"/>
+              </a:defRPr>
+            </a:lvl8pPr>
+            <a:lvl9pPr marL="3886200" indent="-228600" algn="l" defTabSz="914400" rtl="0" eaLnBrk="1" latinLnBrk="0" hangingPunct="1">
+              <a:lnSpc>
+                <a:spcPct val="90000"/>
+              </a:lnSpc>
+              <a:spcBef>
+                <a:spcPts val="500"/>
+              </a:spcBef>
+              <a:buFont typeface="Arial" panose="020B0604020202020204" pitchFamily="34" charset="0"/>
+              <a:buChar char="•"/>
+              <a:defRPr kumimoji="1" sz="1800" kern="1200">
+                <a:solidFill>
+                  <a:schemeClr val="tx1"/>
+                </a:solidFill>
+                <a:latin typeface="+mn-lt"/>
+                <a:ea typeface="+mn-ea"/>
+                <a:cs typeface="+mn-cs"/>
+              </a:defRPr>
+            </a:lvl9pPr>
+          </a:lstStyle>
+          <a:p>
+            <a:pPr marL="514350" indent="-514350">
+              <a:buFont typeface="+mj-lt"/>
+              <a:buAutoNum type="arabicPeriod"/>
+            </a:pPr>
+            <a:r>
+              <a:rPr lang="en-US" altLang="ja-JP" dirty="0" smtClean="0"/>
+              <a:t>CSS</a:t>
+            </a:r>
+            <a:r>
+              <a:rPr lang="ja-JP" altLang="en-US" dirty="0" err="1" smtClean="0"/>
+              <a:t>だけで</a:t>
+            </a:r>
+            <a:r>
+              <a:rPr lang="ja-JP" altLang="en-US" dirty="0" smtClean="0"/>
+              <a:t>画像を使わずハンバーガーアイコンを作ろう</a:t>
+            </a:r>
+            <a:r>
+              <a:rPr lang="en-US" altLang="ja-JP" dirty="0"/>
+              <a:t/>
+            </a:r>
+            <a:br>
+              <a:rPr lang="en-US" altLang="ja-JP" dirty="0"/>
+            </a:br>
+            <a:r>
+              <a:rPr lang="en-US" altLang="ja-JP" dirty="0"/>
+              <a:t>https://www.penseur.co.jp/blog/penseur/552/</a:t>
+            </a:r>
+            <a:endParaRPr lang="en-US" altLang="ja-JP" dirty="0" smtClean="0"/>
+          </a:p>
+          <a:p>
+            <a:pPr marL="514350" indent="-514350">
+              <a:buFont typeface="+mj-lt"/>
+              <a:buAutoNum type="arabicPeriod"/>
+            </a:pPr>
+            <a:r>
+              <a:rPr lang="en-US" altLang="ja-JP" dirty="0" smtClean="0"/>
+              <a:t>HTML</a:t>
+            </a:r>
+            <a:r>
+              <a:rPr lang="ja-JP" altLang="en-US" dirty="0" smtClean="0"/>
+              <a:t>ファイルを作り、</a:t>
+            </a:r>
+            <a:r>
+              <a:rPr lang="en-US" altLang="ja-JP" dirty="0" smtClean="0"/>
+              <a:t>body</a:t>
+            </a:r>
+            <a:r>
+              <a:rPr lang="ja-JP" altLang="en-US" dirty="0" smtClean="0"/>
+              <a:t>要素内に</a:t>
+            </a:r>
+            <a:r>
+              <a:rPr lang="en-US" altLang="ja-JP" dirty="0" smtClean="0"/>
+              <a:t>header</a:t>
+            </a:r>
+            <a:r>
+              <a:rPr lang="ja-JP" altLang="en-US" dirty="0" smtClean="0"/>
+              <a:t>要素を作ろう</a:t>
+            </a:r>
+            <a:endParaRPr lang="en-US" altLang="ja-JP" dirty="0" smtClean="0"/>
+          </a:p>
+          <a:p>
+            <a:pPr marL="514350" indent="-514350">
+              <a:buFont typeface="+mj-lt"/>
+              <a:buAutoNum type="arabicPeriod"/>
+            </a:pPr>
+            <a:r>
+              <a:rPr lang="ja-JP" altLang="en-US" dirty="0" smtClean="0"/>
+              <a:t>上記の</a:t>
+            </a:r>
+            <a:r>
+              <a:rPr lang="en-US" altLang="ja-JP" dirty="0" smtClean="0"/>
+              <a:t>header</a:t>
+            </a:r>
+            <a:r>
+              <a:rPr lang="ja-JP" altLang="en-US" dirty="0" smtClean="0"/>
+              <a:t>要素内に</a:t>
+            </a:r>
+            <a:r>
+              <a:rPr lang="en-US" altLang="ja-JP" dirty="0" err="1" smtClean="0"/>
+              <a:t>nav</a:t>
+            </a:r>
+            <a:r>
+              <a:rPr lang="ja-JP" altLang="en-US" dirty="0" smtClean="0"/>
+              <a:t>要素を作り、リスト（</a:t>
+            </a:r>
+            <a:r>
+              <a:rPr lang="en-US" altLang="ja-JP" dirty="0" err="1" smtClean="0"/>
+              <a:t>ul</a:t>
+            </a:r>
+            <a:r>
+              <a:rPr lang="ja-JP" altLang="en-US" dirty="0" smtClean="0"/>
+              <a:t>）要素を作ろう</a:t>
+            </a:r>
+            <a:endParaRPr lang="en-US" altLang="ja-JP" dirty="0" smtClean="0"/>
+          </a:p>
+          <a:p>
+            <a:pPr marL="971550" lvl="1" indent="-514350">
+              <a:buFont typeface="+mj-lt"/>
+              <a:buAutoNum type="arabicPeriod"/>
+            </a:pPr>
+            <a:r>
+              <a:rPr lang="ja-JP" altLang="en-US" dirty="0" smtClean="0"/>
+              <a:t>トップページ</a:t>
+            </a:r>
+            <a:endParaRPr lang="en-US" altLang="ja-JP" dirty="0" smtClean="0"/>
+          </a:p>
+          <a:p>
+            <a:pPr marL="971550" lvl="1" indent="-514350">
+              <a:buFont typeface="+mj-lt"/>
+              <a:buAutoNum type="arabicPeriod"/>
+            </a:pPr>
+            <a:r>
+              <a:rPr lang="en-US" altLang="ja-JP" dirty="0" smtClean="0"/>
+              <a:t>PC</a:t>
+            </a:r>
+            <a:r>
+              <a:rPr lang="ja-JP" altLang="en-US" dirty="0" smtClean="0"/>
+              <a:t>だけ</a:t>
+            </a:r>
+            <a:endParaRPr lang="en-US" altLang="ja-JP" dirty="0" smtClean="0"/>
+          </a:p>
+          <a:p>
+            <a:pPr marL="971550" lvl="1" indent="-514350">
+              <a:buFont typeface="+mj-lt"/>
+              <a:buAutoNum type="arabicPeriod"/>
+            </a:pPr>
+            <a:r>
+              <a:rPr lang="ja-JP" altLang="en-US" dirty="0"/>
+              <a:t>スマホ</a:t>
+            </a:r>
+            <a:r>
+              <a:rPr lang="ja-JP" altLang="en-US" dirty="0" smtClean="0"/>
+              <a:t>だけ</a:t>
+            </a:r>
+            <a:endParaRPr lang="en-US" altLang="ja-JP" dirty="0" smtClean="0"/>
+          </a:p>
+          <a:p>
+            <a:pPr marL="971550" lvl="1" indent="-514350">
+              <a:buFont typeface="+mj-lt"/>
+              <a:buAutoNum type="arabicPeriod"/>
+            </a:pPr>
+            <a:r>
+              <a:rPr lang="ja-JP" altLang="en-US" dirty="0" smtClean="0"/>
+              <a:t>共通</a:t>
+            </a:r>
+            <a:endParaRPr lang="en-US" altLang="ja-JP" dirty="0" smtClean="0"/>
+          </a:p>
+          <a:p>
+            <a:pPr marL="514350" indent="-514350">
+              <a:buFont typeface="+mj-lt"/>
+              <a:buAutoNum type="arabicPeriod"/>
+            </a:pPr>
+            <a:r>
+              <a:rPr lang="ja-JP" altLang="en-US" dirty="0" smtClean="0"/>
+              <a:t>リストを横並びにしよう</a:t>
+            </a:r>
+            <a:endParaRPr lang="en-US" altLang="ja-JP" dirty="0" smtClean="0"/>
+          </a:p>
+          <a:p>
+            <a:pPr marL="514350" indent="-514350">
+              <a:buFont typeface="+mj-lt"/>
+              <a:buAutoNum type="arabicPeriod"/>
+            </a:pPr>
+            <a:r>
+              <a:rPr lang="ja-JP" altLang="en-US" dirty="0" smtClean="0"/>
+              <a:t>レスポンシブに対応しよう</a:t>
+            </a:r>
+            <a:endParaRPr lang="en-US" altLang="ja-JP" dirty="0" smtClean="0"/>
+          </a:p>
+          <a:p>
+            <a:pPr marL="514350" indent="-514350">
+              <a:buFont typeface="+mj-lt"/>
+              <a:buAutoNum type="arabicPeriod"/>
+            </a:pPr>
+            <a:r>
+              <a:rPr lang="ja-JP" altLang="en-US" dirty="0"/>
+              <a:t>あと</a:t>
+            </a:r>
+            <a:r>
+              <a:rPr lang="ja-JP" altLang="en-US" dirty="0" smtClean="0"/>
+              <a:t>は思い思いのアレンジを加えよう</a:t>
+            </a:r>
+            <a:endParaRPr lang="en-US" altLang="ja-JP" dirty="0" smtClean="0"/>
+          </a:p>
+          <a:p>
+            <a:pPr marL="514350" indent="-514350">
+              <a:buFont typeface="+mj-lt"/>
+              <a:buAutoNum type="arabicPeriod"/>
+            </a:pPr>
+            <a:endParaRPr lang="en-US" altLang="ja-JP" dirty="0" smtClean="0"/>
+          </a:p>
+        </p:txBody>
+      </p:sp>
+    </p:spTree>
+    <p:extLst>
+      <p:ext uri="{BB962C8B-B14F-4D97-AF65-F5344CB8AC3E}">
+        <p14:creationId xmlns:p14="http://schemas.microsoft.com/office/powerpoint/2010/main" val="2113827364"/>
+      </p:ext>
+    </p:extLst>
+  </p:cSld>
+  <p:clrMapOvr>
+    <a:masterClrMapping/>
+  </p:clrMapOvr>
+  <p:timing>
+    <p:tnLst>
+      <p:par>
+        <p:cTn id="1" dur="indefinite" restart="never" nodeType="tmRoot"/>
+      </p:par>
+    </p:tnLst>
+  </p:timing>
+</p:sld>
+</file>
+
+<file path=ppt/slides/slide3.xml><?xml version="1.0" encoding="utf-8"?>
+<p:sld xmlns:a="http://schemas.openxmlformats.org/drawingml/2006/main" xmlns:r="http://schemas.openxmlformats.org/officeDocument/2006/relationships" xmlns:p="http://schemas.openxmlformats.org/presentationml/2006/main">
+  <p:cSld>
+    <p:spTree>
+      <p:nvGrpSpPr>
+        <p:cNvPr id="1" name=""/>
+        <p:cNvGrpSpPr/>
+        <p:nvPr/>
+      </p:nvGrpSpPr>
+      <p:grpSpPr>
+        <a:xfrm>
+          <a:off x="0" y="0"/>
+          <a:ext cx="0" cy="0"/>
+          <a:chOff x="0" y="0"/>
+          <a:chExt cx="0" cy="0"/>
+        </a:xfrm>
+      </p:grpSpPr>
+      <p:sp>
+        <p:nvSpPr>
+          <p:cNvPr id="2" name="タイトル 1"/>
+          <p:cNvSpPr txBox="1">
+            <a:spLocks/>
+          </p:cNvSpPr>
+          <p:nvPr/>
+        </p:nvSpPr>
+        <p:spPr>
+          <a:xfrm>
+            <a:off x="838200" y="365125"/>
+            <a:ext cx="10515600" cy="1325563"/>
+          </a:xfrm>
+          <a:prstGeom prst="rect">
+            <a:avLst/>
+          </a:prstGeom>
+        </p:spPr>
+        <p:txBody>
+          <a:bodyPr/>
+          <a:lstStyle>
+            <a:lvl1pPr algn="l" defTabSz="914400" rtl="0" eaLnBrk="1" latinLnBrk="0" hangingPunct="1">
+              <a:lnSpc>
+                <a:spcPct val="90000"/>
+              </a:lnSpc>
+              <a:spcBef>
+                <a:spcPct val="0"/>
+              </a:spcBef>
+              <a:buNone/>
+              <a:defRPr kumimoji="1" sz="4400" kern="1200">
+                <a:solidFill>
+                  <a:schemeClr val="tx1"/>
+                </a:solidFill>
+                <a:latin typeface="+mj-lt"/>
+                <a:ea typeface="+mj-ea"/>
+                <a:cs typeface="+mj-cs"/>
+              </a:defRPr>
+            </a:lvl1pPr>
+          </a:lstStyle>
+          <a:p>
+            <a:r>
+              <a:rPr lang="ja-JP" altLang="en-US" dirty="0" smtClean="0"/>
+              <a:t>２０２１．０５．</a:t>
+            </a:r>
+            <a:r>
+              <a:rPr lang="ja-JP" altLang="en-US" dirty="0" smtClean="0">
+                <a:latin typeface="+mj-ea"/>
+              </a:rPr>
+              <a:t>２４①</a:t>
             </a:r>
             <a:endParaRPr lang="en-US" altLang="ja-JP" dirty="0" smtClean="0">
               <a:latin typeface="+mj-ea"/>
@@ -3592,8 +4067,28 @@
               <a:buAutoNum type="arabicPeriod"/>
             </a:pPr>
             <a:r>
-              <a:rPr lang="ja-JP" altLang="en-US" dirty="0" smtClean="0"/>
-              <a:t>ヘッダーとフッターを共通化しなさい。</a:t>
+              <a:rPr lang="en-US" altLang="ja-JP" dirty="0" smtClean="0"/>
+              <a:t>PHP</a:t>
+            </a:r>
+            <a:r>
+              <a:rPr lang="ja-JP" altLang="en-US" dirty="0" smtClean="0"/>
+              <a:t>で現在時刻と曜日</a:t>
+            </a:r>
+            <a:r>
+              <a:rPr lang="en-US" altLang="ja-JP" dirty="0" smtClean="0"/>
+              <a:t>(</a:t>
+            </a:r>
+            <a:r>
+              <a:rPr lang="ja-JP" altLang="en-US" dirty="0" smtClean="0"/>
+              <a:t>英語</a:t>
+            </a:r>
+            <a:r>
+              <a:rPr lang="en-US" altLang="ja-JP" dirty="0" smtClean="0"/>
+              <a:t>)</a:t>
+            </a:r>
+            <a:r>
+              <a:rPr lang="ja-JP" altLang="en-US" dirty="0" smtClean="0"/>
+              <a:t>を表示しなさい。</a:t>
             </a:r>
             <a:endParaRPr lang="en-US" altLang="ja-JP" dirty="0" smtClean="0"/>
           </a:p>
@@ -3604,27 +4099,46 @@
             </a:pPr>
             <a:r>
               <a:rPr lang="en-US" altLang="ja-JP" dirty="0" smtClean="0"/>
-              <a:t>PC</a:t>
-            </a:r>
-            <a:r>
-              <a:rPr lang="ja-JP" altLang="en-US" dirty="0" smtClean="0"/>
-              <a:t>専用の</a:t>
+              <a:t>PHP</a:t>
+            </a:r>
+            <a:r>
+              <a:rPr lang="ja-JP" altLang="en-US" dirty="0" smtClean="0"/>
+              <a:t>で</a:t>
             </a:r>
             <a:r>
               <a:rPr lang="en-US" altLang="ja-JP" dirty="0" smtClean="0"/>
-              <a:t>HTML</a:t>
-            </a:r>
-            <a:r>
-              <a:rPr lang="ja-JP" altLang="en-US" dirty="0" smtClean="0"/>
-              <a:t>ブロックには「</a:t>
+              <a:t>20</a:t>
+            </a:r>
+            <a:r>
+              <a:rPr lang="ja-JP" altLang="en-US" dirty="0" smtClean="0"/>
+              <a:t>日後の日付と曜日</a:t>
             </a:r>
             <a:r>
               <a:rPr lang="en-US" altLang="ja-JP" dirty="0" smtClean="0"/>
-              <a:t>pc</a:t>
-            </a:r>
-            <a:r>
-              <a:rPr lang="ja-JP" altLang="en-US" dirty="0" smtClean="0"/>
-              <a:t>」、</a:t>
+              <a:t>(</a:t>
+            </a:r>
+            <a:r>
+              <a:rPr lang="ja-JP" altLang="en-US" dirty="0" smtClean="0"/>
+              <a:t>日本語</a:t>
+            </a:r>
+            <a:r>
+              <a:rPr lang="en-US" altLang="ja-JP" dirty="0" smtClean="0"/>
+              <a:t>)</a:t>
+            </a:r>
+            <a:r>
+              <a:rPr lang="ja-JP" altLang="en-US" dirty="0" smtClean="0"/>
+              <a:t>を表示しなさい。</a:t>
+            </a:r>
+            <a:r>
+              <a:rPr lang="en-US" altLang="ja-JP" dirty="0"/>
+              <a:t/>
+            </a:r>
+            <a:br>
+              <a:rPr lang="en-US" altLang="ja-JP" dirty="0"/>
+            </a:br>
+            <a:r>
+              <a:rPr lang="ja-JP" altLang="en-US" dirty="0" smtClean="0"/>
+              <a:t>ただし 次の関数を使いなさい。</a:t>
             </a:r>
             <a:r>
               <a:rPr lang="en-US" altLang="ja-JP" dirty="0" smtClean="0"/>
@@ -3634,24 +4148,16 @@
               <a:rPr lang="en-US" altLang="ja-JP" dirty="0" smtClean="0"/>
             </a:br>
             <a:r>
-              <a:rPr lang="ja-JP" altLang="en-US" dirty="0" smtClean="0"/>
-              <a:t>スマホ専用には「</a:t>
+              <a:rPr lang="en-US" altLang="ja-JP" dirty="0" smtClean="0"/>
+              <a:t>date</a:t>
+            </a:r>
+            <a:r>
+              <a:rPr lang="ja-JP" altLang="en-US" dirty="0" err="1" smtClean="0"/>
+              <a:t>、</a:t>
             </a:r>
             <a:r>
               <a:rPr lang="en-US" altLang="ja-JP" dirty="0" err="1" smtClean="0"/>
-              <a:t>sp</a:t>
-            </a:r>
-            <a:r>
-              <a:rPr lang="ja-JP" altLang="en-US" dirty="0" smtClean="0"/>
-              <a:t>」という</a:t>
-            </a:r>
-            <a:r>
-              <a:rPr lang="en-US" altLang="ja-JP" dirty="0" smtClean="0"/>
-              <a:t>CSS</a:t>
-            </a:r>
-            <a:r>
-              <a:rPr lang="ja-JP" altLang="en-US" dirty="0" smtClean="0"/>
-              <a:t>クラスをつけなさい</a:t>
+              <a:t>mktime</a:t>
             </a:r>
             <a:endParaRPr lang="en-US" altLang="ja-JP" dirty="0" smtClean="0"/>
           </a:p>
@@ -3662,28 +4168,119 @@
             </a:pPr>
             <a:r>
               <a:rPr lang="en-US" altLang="ja-JP" dirty="0" smtClean="0"/>
-              <a:t>CSS</a:t>
-            </a:r>
-            <a:r>
-              <a:rPr lang="ja-JP" altLang="en-US" dirty="0" smtClean="0"/>
-              <a:t>のメディアクエリーで画面幅に応じて「</a:t>
+              <a:t>PHP</a:t>
+            </a:r>
+            <a:r>
+              <a:rPr lang="ja-JP" altLang="en-US" dirty="0" smtClean="0"/>
+              <a:t>で今月のカレンダーをつくりなさい。</a:t>
             </a:r>
             <a:r>
               <a:rPr lang="en-US" altLang="ja-JP" dirty="0" smtClean="0"/>
-              <a:t>pc</a:t>
-            </a:r>
-            <a:r>
-              <a:rPr lang="ja-JP" altLang="en-US" dirty="0" smtClean="0"/>
-              <a:t>」と「</a:t>
+              <a:t/>
+            </a:r>
+            <a:br>
+              <a:rPr lang="en-US" altLang="ja-JP" dirty="0" smtClean="0"/>
+            </a:br>
+            <a:r>
+              <a:rPr lang="ja-JP" altLang="en-US" dirty="0" smtClean="0"/>
+              <a:t>土は青字、日は赤字、本日は緑字にしなさい。</a:t>
+            </a:r>
+            <a:endParaRPr lang="en-US" altLang="ja-JP" dirty="0" smtClean="0"/>
+          </a:p>
+          <a:p>
+            <a:pPr marL="514350" indent="-514350">
+              <a:buFont typeface="+mj-lt"/>
+              <a:buAutoNum type="arabicPeriod"/>
+            </a:pPr>
+            <a:r>
+              <a:rPr lang="en-US" altLang="ja-JP" dirty="0" smtClean="0"/>
+              <a:t>HTML</a:t>
+            </a:r>
+            <a:r>
+              <a:rPr lang="ja-JP" altLang="en-US" dirty="0" smtClean="0"/>
+              <a:t>にボタンを用意して 押したら</a:t>
             </a:r>
             <a:r>
               <a:rPr lang="en-US" altLang="ja-JP" dirty="0" err="1" smtClean="0"/>
-              <a:t>sp</a:t>
-            </a:r>
-            <a:r>
-              <a:rPr lang="ja-JP" altLang="en-US" dirty="0" smtClean="0"/>
-              <a:t>」の表示を切り替えなさい。</a:t>
-            </a:r>
+              <a:t>Javascript</a:t>
+            </a:r>
+            <a:r>
+              <a:rPr lang="ja-JP" altLang="en-US" dirty="0" smtClean="0"/>
+              <a:t>で現在時刻を以下のようにアラート表示しなさい。</a:t>
+            </a:r>
+            <a:r>
+              <a:rPr lang="en-US" altLang="ja-JP" dirty="0" smtClean="0"/>
+              <a:t/>
+            </a:r>
+            <a:br>
+              <a:rPr lang="en-US" altLang="ja-JP" dirty="0" smtClean="0"/>
+            </a:br>
+            <a:r>
+              <a:rPr lang="ja-JP" altLang="en-US" dirty="0" smtClean="0"/>
+              <a:t>「現在 </a:t>
+            </a:r>
+            <a:r>
+              <a:rPr lang="en-US" altLang="ja-JP" dirty="0" smtClean="0"/>
+              <a:t>2021</a:t>
+            </a:r>
+            <a:r>
+              <a:rPr lang="ja-JP" altLang="en-US" dirty="0" smtClean="0"/>
+              <a:t>年</a:t>
+            </a:r>
+            <a:r>
+              <a:rPr lang="en-US" altLang="ja-JP" dirty="0" smtClean="0"/>
+              <a:t>5</a:t>
+            </a:r>
+            <a:r>
+              <a:rPr lang="ja-JP" altLang="en-US" dirty="0" smtClean="0"/>
+              <a:t>月</a:t>
+            </a:r>
+            <a:r>
+              <a:rPr lang="en-US" altLang="ja-JP" dirty="0" smtClean="0"/>
+              <a:t>24</a:t>
+            </a:r>
+            <a:r>
+              <a:rPr lang="ja-JP" altLang="en-US" dirty="0" smtClean="0"/>
+              <a:t>日 </a:t>
+            </a:r>
+            <a:r>
+              <a:rPr lang="en-US" altLang="ja-JP" dirty="0" smtClean="0"/>
+              <a:t>xx</a:t>
+            </a:r>
+            <a:r>
+              <a:rPr lang="ja-JP" altLang="en-US" dirty="0" smtClean="0"/>
+              <a:t>時</a:t>
+            </a:r>
+            <a:r>
+              <a:rPr lang="en-US" altLang="ja-JP" dirty="0" smtClean="0"/>
+              <a:t>xx</a:t>
+            </a:r>
+            <a:r>
+              <a:rPr lang="ja-JP" altLang="en-US" dirty="0" smtClean="0"/>
+              <a:t>分</a:t>
+            </a:r>
+            <a:r>
+              <a:rPr lang="en-US" altLang="ja-JP" dirty="0" smtClean="0"/>
+              <a:t>xx</a:t>
+            </a:r>
+            <a:r>
+              <a:rPr lang="ja-JP" altLang="en-US" dirty="0" smtClean="0"/>
+              <a:t>秒」</a:t>
+            </a:r>
+            <a:endParaRPr lang="en-US" altLang="ja-JP" dirty="0" smtClean="0"/>
+          </a:p>
+          <a:p>
+            <a:pPr marL="514350" indent="-514350">
+              <a:buFont typeface="+mj-lt"/>
+              <a:buAutoNum type="arabicPeriod"/>
+            </a:pPr>
+            <a:endParaRPr lang="en-US" altLang="ja-JP" dirty="0"/>
+          </a:p>
+          <a:p>
+            <a:pPr marL="514350" indent="-514350">
+              <a:buFont typeface="+mj-lt"/>
+              <a:buAutoNum type="arabicPeriod"/>
+            </a:pPr>
             <a:endParaRPr lang="en-US" altLang="ja-JP" dirty="0" smtClean="0"/>
           </a:p>
         </p:txBody>
@@ -3708,7 +4305,7 @@
 </p:sld>
 </file>
 
-<file path=ppt/slides/slide3.xml><?xml version="1.0" encoding="utf-8"?>
+<file path=ppt/slides/slide4.xml><?xml version="1.0" encoding="utf-8"?>
 <p:sld xmlns:a="http://schemas.openxmlformats.org/drawingml/2006/main" xmlns:r="http://schemas.openxmlformats.org/officeDocument/2006/relationships" xmlns:p="http://schemas.openxmlformats.org/presentationml/2006/main">
   <p:cSld>
     <p:spTree>
@@ -3772,14 +4369,11 @@
               <a:rPr lang="ja-JP" altLang="en-US" dirty="0" smtClean="0">
                 <a:latin typeface="+mj-ea"/>
               </a:rPr>
-              <a:t>２</a:t>
-            </a:r>
-            <a:r>
-              <a:rPr lang="en-US" altLang="ja-JP" dirty="0" smtClean="0">
-                <a:latin typeface="+mj-ea"/>
-              </a:rPr>
-              <a:t>1</a:t>
-            </a:r>
+              <a:t>２４②</a:t>
+            </a:r>
+            <a:endParaRPr lang="en-US" altLang="ja-JP" dirty="0" smtClean="0">
+              <a:latin typeface="+mj-ea"/>
+            </a:endParaRPr>
           </a:p>
         </p:txBody>
       </p:sp>
@@ -3802,7 +4396,7 @@
         </p:spPr>
         <p:txBody>
           <a:bodyPr>
-            <a:normAutofit fontScale="92500" lnSpcReduction="10000"/>
+            <a:normAutofit lnSpcReduction="10000"/>
           </a:bodyPr>
           <a:lstStyle>
             <a:lvl1pPr marL="228600" indent="-228600" algn="l" defTabSz="914400" rtl="0" eaLnBrk="1" latinLnBrk="0" hangingPunct="1">
@@ -3975,28 +4569,43 @@
             </a:pPr>
             <a:r>
               <a:rPr lang="en-US" altLang="ja-JP" dirty="0" smtClean="0"/>
-              <a:t>CSS</a:t>
-            </a:r>
-            <a:r>
-              <a:rPr lang="ja-JP" altLang="en-US" dirty="0" err="1" smtClean="0"/>
-              <a:t>だけで</a:t>
-            </a:r>
-            <a:r>
-              <a:rPr lang="ja-JP" altLang="en-US" dirty="0" smtClean="0"/>
-              <a:t>画像を使わずハンバーガーアイコンを作ろう</a:t>
-            </a:r>
-            <a:r>
-              <a:rPr lang="en-US" altLang="ja-JP" dirty="0"/>
+              <a:t>PostgreSQL</a:t>
+            </a:r>
+            <a:r>
+              <a:rPr lang="ja-JP" altLang="en-US" dirty="0" smtClean="0"/>
+              <a:t>で「</a:t>
+            </a:r>
+            <a:r>
+              <a:rPr lang="en-US" altLang="ja-JP" dirty="0" smtClean="0"/>
+              <a:t>300÷4</a:t>
+            </a:r>
+            <a:r>
+              <a:rPr lang="ja-JP" altLang="en-US" dirty="0" smtClean="0"/>
+              <a:t>」の結果を表示しなさい。</a:t>
+            </a:r>
+            <a:r>
+              <a:rPr lang="en-US" altLang="ja-JP" dirty="0" smtClean="0"/>
               <a:t/>
             </a:r>
             <a:br>
-              <a:rPr lang="en-US" altLang="ja-JP" dirty="0"/>
+              <a:rPr lang="en-US" altLang="ja-JP" dirty="0" smtClean="0"/>
             </a:br>
             <a:r>
-              <a:rPr lang="en-US" altLang="ja-JP" dirty="0"/>
-              <a:t>https://www.penseur.co.jp/blog/penseur/552/</a:t>
-            </a:r>
-            <a:endParaRPr lang="en-US" altLang="ja-JP" dirty="0" smtClean="0"/>
+              <a:rPr lang="ja-JP" altLang="en-US" dirty="0" smtClean="0"/>
+              <a:t>ヒント</a:t>
+            </a:r>
+            <a:r>
+              <a:rPr lang="en-US" altLang="ja-JP" dirty="0" smtClean="0"/>
+              <a:t>) SELECT 1+1 AS </a:t>
+            </a:r>
+            <a:r>
+              <a:rPr lang="en-US" altLang="ja-JP" dirty="0" err="1" smtClean="0"/>
+              <a:t>ans</a:t>
+            </a:r>
+            <a:r>
+              <a:rPr lang="en-US" altLang="ja-JP" dirty="0" smtClean="0"/>
+              <a:t>;</a:t>
+            </a:r>
           </a:p>
           <a:p>
             <a:pPr marL="514350" indent="-514350">
@@ -4005,27 +4614,34 @@
             </a:pPr>
             <a:r>
               <a:rPr lang="en-US" altLang="ja-JP" dirty="0" smtClean="0"/>
-              <a:t>HTML</a:t>
-            </a:r>
-            <a:r>
-              <a:rPr lang="ja-JP" altLang="en-US" dirty="0" smtClean="0"/>
-              <a:t>ファイルを作り、</a:t>
-            </a:r>
-            <a:r>
-              <a:rPr lang="en-US" altLang="ja-JP" dirty="0" smtClean="0"/>
-              <a:t>body</a:t>
-            </a:r>
-            <a:r>
-              <a:rPr lang="ja-JP" altLang="en-US" dirty="0" smtClean="0"/>
-              <a:t>要素内に</a:t>
-            </a:r>
-            <a:r>
-              <a:rPr lang="en-US" altLang="ja-JP" dirty="0" smtClean="0"/>
-              <a:t>header</a:t>
-            </a:r>
-            <a:r>
-              <a:rPr lang="ja-JP" altLang="en-US" dirty="0" smtClean="0"/>
-              <a:t>要素を作ろう</a:t>
+              <a:t>PostgreSQL</a:t>
+            </a:r>
+            <a:r>
+              <a:rPr lang="ja-JP" altLang="en-US" dirty="0" smtClean="0"/>
+              <a:t>で現在時刻を表示しなさい。</a:t>
+            </a:r>
+            <a:br>
+              <a:rPr lang="ja-JP" altLang="en-US" dirty="0" smtClean="0"/>
+            </a:br>
+            <a:r>
+              <a:rPr lang="ja-JP" altLang="en-US" dirty="0" smtClean="0"/>
+              <a:t>ヒント</a:t>
+            </a:r>
+            <a:r>
+              <a:rPr lang="en-US" altLang="ja-JP" dirty="0"/>
+              <a:t>) </a:t>
+            </a:r>
+            <a:r>
+              <a:rPr lang="en-US" altLang="ja-JP" dirty="0">
+                <a:hlinkClick r:id="rId2"/>
+              </a:rPr>
+              <a:t>https://</a:t>
+            </a:r>
+            <a:r>
+              <a:rPr lang="en-US" altLang="ja-JP" dirty="0" smtClean="0">
+                <a:hlinkClick r:id="rId2"/>
+              </a:rPr>
+              <a:t>www.postgresql.jp/document/7.2/user/functions-datetime.html</a:t>
             </a:r>
             <a:endParaRPr lang="en-US" altLang="ja-JP" dirty="0" smtClean="0"/>
           </a:p>
@@ -4035,86 +4651,25 @@
               <a:buAutoNum type="arabicPeriod"/>
             </a:pPr>
             <a:r>
-              <a:rPr lang="ja-JP" altLang="en-US" dirty="0" smtClean="0"/>
-              <a:t>上記の</a:t>
-            </a:r>
-            <a:r>
               <a:rPr lang="en-US" altLang="ja-JP" dirty="0" smtClean="0"/>
-              <a:t>header</a:t>
-            </a:r>
-            <a:r>
-              <a:rPr lang="ja-JP" altLang="en-US" dirty="0" smtClean="0"/>
-              <a:t>要素内に</a:t>
-            </a:r>
-            <a:r>
-              <a:rPr lang="en-US" altLang="ja-JP" dirty="0" err="1" smtClean="0"/>
-              <a:t>nav</a:t>
-            </a:r>
-            <a:r>
-              <a:rPr lang="ja-JP" altLang="en-US" dirty="0" smtClean="0"/>
-              <a:t>要素を作り、リスト（</a:t>
-            </a:r>
-            <a:r>
-              <a:rPr lang="en-US" altLang="ja-JP" dirty="0" err="1" smtClean="0"/>
-              <a:t>ul</a:t>
-            </a:r>
-            <a:r>
-              <a:rPr lang="ja-JP" altLang="en-US" dirty="0" smtClean="0"/>
-              <a:t>）要素を作ろう</a:t>
-            </a:r>
-            <a:endParaRPr lang="en-US" altLang="ja-JP" dirty="0" smtClean="0"/>
-          </a:p>
-          <a:p>
-            <a:pPr marL="971550" lvl="1" indent="-514350">
-              <a:buFont typeface="+mj-lt"/>
-              <a:buAutoNum type="arabicPeriod"/>
-            </a:pPr>
-            <a:r>
-              <a:rPr lang="ja-JP" altLang="en-US" dirty="0" smtClean="0"/>
-              <a:t>トップページ</a:t>
-            </a:r>
-            <a:endParaRPr lang="en-US" altLang="ja-JP" dirty="0" smtClean="0"/>
-          </a:p>
-          <a:p>
-            <a:pPr marL="971550" lvl="1" indent="-514350">
-              <a:buFont typeface="+mj-lt"/>
-              <a:buAutoNum type="arabicPeriod"/>
-            </a:pPr>
+              <a:t>PostgreSQL</a:t>
+            </a:r>
+            <a:r>
+              <a:rPr lang="ja-JP" altLang="en-US" dirty="0" smtClean="0"/>
+              <a:t>で</a:t>
+            </a:r>
             <a:r>
               <a:rPr lang="en-US" altLang="ja-JP" dirty="0" smtClean="0"/>
-              <a:t>PC</a:t>
-            </a:r>
-            <a:r>
-              <a:rPr lang="ja-JP" altLang="en-US" dirty="0" smtClean="0"/>
-              <a:t>だけ</a:t>
-            </a:r>
-            <a:endParaRPr lang="en-US" altLang="ja-JP" dirty="0" smtClean="0"/>
-          </a:p>
-          <a:p>
-            <a:pPr marL="971550" lvl="1" indent="-514350">
-              <a:buFont typeface="+mj-lt"/>
-              <a:buAutoNum type="arabicPeriod"/>
-            </a:pPr>
-            <a:r>
-              <a:rPr lang="ja-JP" altLang="en-US" dirty="0"/>
-              <a:t>スマホ</a:t>
-            </a:r>
-            <a:r>
-              <a:rPr lang="ja-JP" altLang="en-US" dirty="0" smtClean="0"/>
-              <a:t>だけ</a:t>
-            </a:r>
-            <a:endParaRPr lang="en-US" altLang="ja-JP" dirty="0" smtClean="0"/>
-          </a:p>
-          <a:p>
-            <a:pPr marL="971550" lvl="1" indent="-514350">
-              <a:buFont typeface="+mj-lt"/>
-              <a:buAutoNum type="arabicPeriod"/>
-            </a:pPr>
-            <a:r>
-              <a:rPr lang="ja-JP" altLang="en-US" dirty="0" smtClean="0"/>
-              <a:t>共通</a:t>
-            </a:r>
-            <a:endParaRPr lang="en-US" altLang="ja-JP" dirty="0" smtClean="0"/>
+              <a:t>15</a:t>
+            </a:r>
+            <a:r>
+              <a:rPr lang="ja-JP" altLang="en-US" dirty="0" smtClean="0"/>
+              <a:t>日後の日付を表示しなさい</a:t>
+            </a:r>
+            <a:r>
+              <a:rPr lang="en-US" altLang="ja-JP" dirty="0" smtClean="0"/>
+              <a:t>.</a:t>
+            </a:r>
           </a:p>
           <a:p>
             <a:pPr marL="514350" indent="-514350">
@@ -4122,8 +4677,56 @@
               <a:buAutoNum type="arabicPeriod"/>
             </a:pPr>
             <a:r>
-              <a:rPr lang="ja-JP" altLang="en-US" dirty="0" smtClean="0"/>
-              <a:t>リストを横並びにしよう</a:t>
+              <a:rPr lang="en-US" altLang="ja-JP" dirty="0" smtClean="0"/>
+              <a:t>PostgreSQL</a:t>
+            </a:r>
+            <a:r>
+              <a:rPr lang="ja-JP" altLang="en-US" dirty="0" smtClean="0"/>
+              <a:t>で</a:t>
+            </a:r>
+            <a:r>
+              <a:rPr lang="en-US" altLang="ja-JP" dirty="0" err="1" smtClean="0"/>
+              <a:t>testdb</a:t>
+            </a:r>
+            <a:r>
+              <a:rPr lang="ja-JP" altLang="en-US" dirty="0" smtClean="0"/>
+              <a:t>の</a:t>
+            </a:r>
+            <a:r>
+              <a:rPr lang="en-US" altLang="ja-JP" dirty="0" smtClean="0"/>
+              <a:t>users</a:t>
+            </a:r>
+            <a:r>
+              <a:rPr lang="ja-JP" altLang="en-US" dirty="0" smtClean="0"/>
+              <a:t>テーブルから </a:t>
+            </a:r>
+            <a:r>
+              <a:rPr lang="en-US" altLang="ja-JP" dirty="0" smtClean="0"/>
+              <a:t>id</a:t>
+            </a:r>
+            <a:r>
+              <a:rPr lang="ja-JP" altLang="en-US" dirty="0" smtClean="0"/>
+              <a:t>が</a:t>
+            </a:r>
+            <a:r>
+              <a:rPr lang="en-US" altLang="ja-JP" dirty="0" smtClean="0"/>
+              <a:t>2</a:t>
+            </a:r>
+            <a:r>
+              <a:rPr lang="ja-JP" altLang="en-US" dirty="0" smtClean="0"/>
+              <a:t>から</a:t>
+            </a:r>
+            <a:r>
+              <a:rPr lang="en-US" altLang="ja-JP" dirty="0" smtClean="0"/>
+              <a:t>4</a:t>
+            </a:r>
+            <a:r>
+              <a:rPr lang="ja-JP" altLang="en-US" dirty="0" err="1" smtClean="0"/>
+              <a:t>までの</a:t>
+            </a:r>
+            <a:r>
+              <a:rPr lang="ja-JP" altLang="en-US" dirty="0" smtClean="0"/>
+              <a:t>人を抽出してください。</a:t>
             </a:r>
             <a:endParaRPr lang="en-US" altLang="ja-JP" dirty="0" smtClean="0"/>
           </a:p>
@@ -4133,25 +4736,73 @@
               <a:buAutoNum type="arabicPeriod"/>
             </a:pPr>
             <a:r>
-              <a:rPr lang="ja-JP" altLang="en-US" dirty="0" smtClean="0"/>
-              <a:t>レスポンシブに対応しよう</a:t>
-            </a:r>
-            <a:endParaRPr lang="en-US" altLang="ja-JP" dirty="0" smtClean="0"/>
+              <a:rPr lang="en-US" altLang="ja-JP" dirty="0"/>
+              <a:t>PostgreSQL</a:t>
+            </a:r>
+            <a:r>
+              <a:rPr lang="ja-JP" altLang="en-US" dirty="0"/>
+              <a:t>で</a:t>
+            </a:r>
+            <a:r>
+              <a:rPr lang="en-US" altLang="ja-JP" dirty="0" err="1"/>
+              <a:t>testdb</a:t>
+            </a:r>
+            <a:r>
+              <a:rPr lang="ja-JP" altLang="en-US" dirty="0"/>
+              <a:t>の</a:t>
+            </a:r>
+            <a:r>
+              <a:rPr lang="en-US" altLang="ja-JP" dirty="0"/>
+              <a:t>users</a:t>
+            </a:r>
+            <a:r>
+              <a:rPr lang="ja-JP" altLang="en-US" dirty="0"/>
+              <a:t>テーブルから </a:t>
+            </a:r>
+            <a:r>
+              <a:rPr lang="en-US" altLang="ja-JP" dirty="0"/>
+              <a:t>id</a:t>
+            </a:r>
+            <a:r>
+              <a:rPr lang="ja-JP" altLang="en-US" dirty="0" smtClean="0"/>
+              <a:t>が</a:t>
+            </a:r>
+            <a:r>
+              <a:rPr lang="en-US" altLang="ja-JP" dirty="0" smtClean="0"/>
+              <a:t>1</a:t>
+            </a:r>
+            <a:r>
+              <a:rPr lang="ja-JP" altLang="en-US" dirty="0" smtClean="0"/>
+              <a:t>と</a:t>
+            </a:r>
+            <a:r>
+              <a:rPr lang="en-US" altLang="ja-JP" dirty="0" smtClean="0"/>
+              <a:t>3</a:t>
+            </a:r>
+            <a:r>
+              <a:rPr lang="ja-JP" altLang="en-US" dirty="0" smtClean="0"/>
+              <a:t>と</a:t>
+            </a:r>
+            <a:r>
+              <a:rPr lang="en-US" altLang="ja-JP" smtClean="0"/>
+              <a:t>4</a:t>
+            </a:r>
+            <a:r>
+              <a:rPr lang="ja-JP" altLang="en-US" smtClean="0"/>
+              <a:t>の</a:t>
+            </a:r>
+            <a:r>
+              <a:rPr lang="ja-JP" altLang="en-US" dirty="0"/>
+              <a:t>人を抽出してください。</a:t>
+            </a:r>
+            <a:endParaRPr lang="en-US" altLang="ja-JP" dirty="0"/>
           </a:p>
           <a:p>
             <a:pPr marL="514350" indent="-514350">
               <a:buFont typeface="+mj-lt"/>
               <a:buAutoNum type="arabicPeriod"/>
             </a:pPr>
-            <a:r>
-              <a:rPr lang="ja-JP" altLang="en-US" dirty="0"/>
-              <a:t>あと</a:t>
-            </a:r>
-            <a:r>
-              <a:rPr lang="ja-JP" altLang="en-US" dirty="0" smtClean="0"/>
-              <a:t>は思い思いのアレンジを加えよう</a:t>
-            </a:r>
-            <a:endParaRPr lang="en-US" altLang="ja-JP" dirty="0" smtClean="0"/>
+            <a:endParaRPr lang="en-US" altLang="ja-JP" dirty="0"/>
           </a:p>
           <a:p>
             <a:pPr marL="514350" indent="-514350">
@@ -4165,7 +4816,7 @@
     </p:spTree>
     <p:extLst>
       <p:ext uri="{BB962C8B-B14F-4D97-AF65-F5344CB8AC3E}">
-        <p14:creationId xmlns:p14="http://schemas.microsoft.com/office/powerpoint/2010/main" val="2113827364"/>
+        <p14:creationId xmlns:p14="http://schemas.microsoft.com/office/powerpoint/2010/main" val="2667549010"/>
       </p:ext>
     </p:extLst>
   </p:cSld>

--- a/おさらい演習20210524.pptx
+++ b/おさらい演習20210524.pptx
@@ -4088,7 +4088,30 @@
             </a:r>
             <a:r>
               <a:rPr lang="ja-JP" altLang="en-US" dirty="0" smtClean="0"/>
-              <a:t>を表示しなさい。</a:t>
+              <a:t>を表示しなさい</a:t>
+            </a:r>
+            <a:r>
+              <a:rPr lang="ja-JP" altLang="en-US" dirty="0" smtClean="0"/>
+              <a:t>。</a:t>
+            </a:r>
+            <a:r>
+              <a:rPr lang="en-US" altLang="ja-JP" dirty="0"/>
+              <a:t/>
+            </a:r>
+            <a:br>
+              <a:rPr lang="en-US" altLang="ja-JP" dirty="0"/>
+            </a:br>
+            <a:r>
+              <a:rPr lang="ja-JP" altLang="en-US" dirty="0" smtClean="0"/>
+              <a:t>例）　</a:t>
+            </a:r>
+            <a:r>
+              <a:rPr lang="en-US" altLang="ja-JP" dirty="0" smtClean="0"/>
+              <a:t>2021-05-24 </a:t>
+            </a:r>
+            <a:r>
+              <a:rPr lang="en-US" altLang="ja-JP" smtClean="0"/>
+              <a:t>09:07:30 Monday</a:t>
             </a:r>
             <a:endParaRPr lang="en-US" altLang="ja-JP" dirty="0" smtClean="0"/>
           </a:p>
@@ -4565,7 +4588,7 @@
           <a:p>
             <a:pPr marL="514350" indent="-514350">
               <a:buFont typeface="+mj-lt"/>
-              <a:buAutoNum type="arabicPeriod"/>
+              <a:buAutoNum type="arabicPeriod" startAt="5"/>
             </a:pPr>
             <a:r>
               <a:rPr lang="en-US" altLang="ja-JP" dirty="0" smtClean="0"/>
@@ -4610,7 +4633,7 @@
           <a:p>
             <a:pPr marL="514350" indent="-514350">
               <a:buFont typeface="+mj-lt"/>
-              <a:buAutoNum type="arabicPeriod"/>
+              <a:buAutoNum type="arabicPeriod" startAt="5"/>
             </a:pPr>
             <a:r>
               <a:rPr lang="en-US" altLang="ja-JP" dirty="0" smtClean="0"/>
@@ -4648,7 +4671,7 @@
           <a:p>
             <a:pPr marL="514350" indent="-514350">
               <a:buFont typeface="+mj-lt"/>
-              <a:buAutoNum type="arabicPeriod"/>
+              <a:buAutoNum type="arabicPeriod" startAt="5"/>
             </a:pPr>
             <a:r>
               <a:rPr lang="en-US" altLang="ja-JP" dirty="0" smtClean="0"/>
@@ -4674,7 +4697,7 @@
           <a:p>
             <a:pPr marL="514350" indent="-514350">
               <a:buFont typeface="+mj-lt"/>
-              <a:buAutoNum type="arabicPeriod"/>
+              <a:buAutoNum type="arabicPeriod" startAt="5"/>
             </a:pPr>
             <a:r>
               <a:rPr lang="en-US" altLang="ja-JP" dirty="0" smtClean="0"/>
@@ -4733,7 +4756,7 @@
           <a:p>
             <a:pPr marL="514350" indent="-514350">
               <a:buFont typeface="+mj-lt"/>
-              <a:buAutoNum type="arabicPeriod"/>
+              <a:buAutoNum type="arabicPeriod" startAt="5"/>
             </a:pPr>
             <a:r>
               <a:rPr lang="en-US" altLang="ja-JP" dirty="0"/>
@@ -4784,11 +4807,11 @@
               <a:t>と</a:t>
             </a:r>
             <a:r>
-              <a:rPr lang="en-US" altLang="ja-JP" smtClean="0"/>
+              <a:rPr lang="en-US" altLang="ja-JP" dirty="0" smtClean="0"/>
               <a:t>4</a:t>
             </a:r>
             <a:r>
-              <a:rPr lang="ja-JP" altLang="en-US" smtClean="0"/>
+              <a:rPr lang="ja-JP" altLang="en-US" dirty="0" smtClean="0"/>
               <a:t>の</a:t>
             </a:r>
             <a:r>
@@ -4800,14 +4823,14 @@
           <a:p>
             <a:pPr marL="514350" indent="-514350">
               <a:buFont typeface="+mj-lt"/>
-              <a:buAutoNum type="arabicPeriod"/>
+              <a:buAutoNum type="arabicPeriod" startAt="5"/>
             </a:pPr>
             <a:endParaRPr lang="en-US" altLang="ja-JP" dirty="0"/>
           </a:p>
           <a:p>
             <a:pPr marL="514350" indent="-514350">
               <a:buFont typeface="+mj-lt"/>
-              <a:buAutoNum type="arabicPeriod"/>
+              <a:buAutoNum type="arabicPeriod" startAt="5"/>
             </a:pPr>
             <a:endParaRPr lang="en-US" altLang="ja-JP" dirty="0" smtClean="0"/>
           </a:p>

--- a/おさらい演習20210524.pptx
+++ b/おさらい演習20210524.pptx
@@ -246,7 +246,7 @@
           <a:p>
             <a:fld id="{244C579F-7650-4936-A667-0D17DEB48928}" type="datetimeFigureOut">
               <a:rPr kumimoji="1" lang="ja-JP" altLang="en-US" smtClean="0"/>
-              <a:t>2021/5/24</a:t>
+              <a:t>2021/5/25</a:t>
             </a:fld>
             <a:endParaRPr kumimoji="1" lang="ja-JP" altLang="en-US"/>
           </a:p>
@@ -448,7 +448,7 @@
           <a:p>
             <a:fld id="{244C579F-7650-4936-A667-0D17DEB48928}" type="datetimeFigureOut">
               <a:rPr kumimoji="1" lang="ja-JP" altLang="en-US" smtClean="0"/>
-              <a:t>2021/5/24</a:t>
+              <a:t>2021/5/25</a:t>
             </a:fld>
             <a:endParaRPr kumimoji="1" lang="ja-JP" altLang="en-US"/>
           </a:p>
@@ -660,7 +660,7 @@
           <a:p>
             <a:fld id="{244C579F-7650-4936-A667-0D17DEB48928}" type="datetimeFigureOut">
               <a:rPr kumimoji="1" lang="ja-JP" altLang="en-US" smtClean="0"/>
-              <a:t>2021/5/24</a:t>
+              <a:t>2021/5/25</a:t>
             </a:fld>
             <a:endParaRPr kumimoji="1" lang="ja-JP" altLang="en-US"/>
           </a:p>
@@ -862,7 +862,7 @@
           <a:p>
             <a:fld id="{244C579F-7650-4936-A667-0D17DEB48928}" type="datetimeFigureOut">
               <a:rPr kumimoji="1" lang="ja-JP" altLang="en-US" smtClean="0"/>
-              <a:t>2021/5/24</a:t>
+              <a:t>2021/5/25</a:t>
             </a:fld>
             <a:endParaRPr kumimoji="1" lang="ja-JP" altLang="en-US"/>
           </a:p>
@@ -1108,7 +1108,7 @@
           <a:p>
             <a:fld id="{244C579F-7650-4936-A667-0D17DEB48928}" type="datetimeFigureOut">
               <a:rPr kumimoji="1" lang="ja-JP" altLang="en-US" smtClean="0"/>
-              <a:t>2021/5/24</a:t>
+              <a:t>2021/5/25</a:t>
             </a:fld>
             <a:endParaRPr kumimoji="1" lang="ja-JP" altLang="en-US"/>
           </a:p>
@@ -1404,7 +1404,7 @@
           <a:p>
             <a:fld id="{244C579F-7650-4936-A667-0D17DEB48928}" type="datetimeFigureOut">
               <a:rPr kumimoji="1" lang="ja-JP" altLang="en-US" smtClean="0"/>
-              <a:t>2021/5/24</a:t>
+              <a:t>2021/5/25</a:t>
             </a:fld>
             <a:endParaRPr kumimoji="1" lang="ja-JP" altLang="en-US"/>
           </a:p>
@@ -1835,7 +1835,7 @@
           <a:p>
             <a:fld id="{244C579F-7650-4936-A667-0D17DEB48928}" type="datetimeFigureOut">
               <a:rPr kumimoji="1" lang="ja-JP" altLang="en-US" smtClean="0"/>
-              <a:t>2021/5/24</a:t>
+              <a:t>2021/5/25</a:t>
             </a:fld>
             <a:endParaRPr kumimoji="1" lang="ja-JP" altLang="en-US"/>
           </a:p>
@@ -1953,7 +1953,7 @@
           <a:p>
             <a:fld id="{244C579F-7650-4936-A667-0D17DEB48928}" type="datetimeFigureOut">
               <a:rPr kumimoji="1" lang="ja-JP" altLang="en-US" smtClean="0"/>
-              <a:t>2021/5/24</a:t>
+              <a:t>2021/5/25</a:t>
             </a:fld>
             <a:endParaRPr kumimoji="1" lang="ja-JP" altLang="en-US"/>
           </a:p>
@@ -2048,7 +2048,7 @@
           <a:p>
             <a:fld id="{244C579F-7650-4936-A667-0D17DEB48928}" type="datetimeFigureOut">
               <a:rPr kumimoji="1" lang="ja-JP" altLang="en-US" smtClean="0"/>
-              <a:t>2021/5/24</a:t>
+              <a:t>2021/5/25</a:t>
             </a:fld>
             <a:endParaRPr kumimoji="1" lang="ja-JP" altLang="en-US"/>
           </a:p>
@@ -2357,7 +2357,7 @@
           <a:p>
             <a:fld id="{244C579F-7650-4936-A667-0D17DEB48928}" type="datetimeFigureOut">
               <a:rPr kumimoji="1" lang="ja-JP" altLang="en-US" smtClean="0"/>
-              <a:t>2021/5/24</a:t>
+              <a:t>2021/5/25</a:t>
             </a:fld>
             <a:endParaRPr kumimoji="1" lang="ja-JP" altLang="en-US"/>
           </a:p>
@@ -2610,7 +2610,7 @@
           <a:p>
             <a:fld id="{244C579F-7650-4936-A667-0D17DEB48928}" type="datetimeFigureOut">
               <a:rPr kumimoji="1" lang="ja-JP" altLang="en-US" smtClean="0"/>
-              <a:t>2021/5/24</a:t>
+              <a:t>2021/5/25</a:t>
             </a:fld>
             <a:endParaRPr kumimoji="1" lang="ja-JP" altLang="en-US"/>
           </a:p>
@@ -2855,7 +2855,7 @@
           <a:p>
             <a:fld id="{244C579F-7650-4936-A667-0D17DEB48928}" type="datetimeFigureOut">
               <a:rPr kumimoji="1" lang="ja-JP" altLang="en-US" smtClean="0"/>
-              <a:t>2021/5/24</a:t>
+              <a:t>2021/5/25</a:t>
             </a:fld>
             <a:endParaRPr kumimoji="1" lang="ja-JP" altLang="en-US"/>
           </a:p>
@@ -4088,11 +4088,7 @@
             </a:r>
             <a:r>
               <a:rPr lang="ja-JP" altLang="en-US" dirty="0" smtClean="0"/>
-              <a:t>を表示しなさい</a:t>
-            </a:r>
-            <a:r>
-              <a:rPr lang="ja-JP" altLang="en-US" dirty="0" smtClean="0"/>
-              <a:t>。</a:t>
+              <a:t>を表示しなさい。</a:t>
             </a:r>
             <a:r>
               <a:rPr lang="en-US" altLang="ja-JP" dirty="0"/>
@@ -4419,7 +4415,7 @@
         </p:spPr>
         <p:txBody>
           <a:bodyPr>
-            <a:normAutofit lnSpcReduction="10000"/>
+            <a:normAutofit fontScale="92500" lnSpcReduction="20000"/>
           </a:bodyPr>
           <a:lstStyle>
             <a:lvl1pPr marL="228600" indent="-228600" algn="l" defTabSz="914400" rtl="0" eaLnBrk="1" latinLnBrk="0" hangingPunct="1">
@@ -4816,7 +4812,53 @@
             </a:r>
             <a:r>
               <a:rPr lang="ja-JP" altLang="en-US" dirty="0"/>
-              <a:t>人を抽出してください。</a:t>
+              <a:t>人を抽出してください</a:t>
+            </a:r>
+            <a:r>
+              <a:rPr lang="ja-JP" altLang="en-US" dirty="0" smtClean="0"/>
+              <a:t>。</a:t>
+            </a:r>
+            <a:endParaRPr lang="en-US" altLang="ja-JP" dirty="0" smtClean="0"/>
+          </a:p>
+          <a:p>
+            <a:pPr marL="514350" indent="-514350">
+              <a:buFont typeface="+mj-lt"/>
+              <a:buAutoNum type="arabicPeriod" startAt="5"/>
+            </a:pPr>
+            <a:r>
+              <a:rPr lang="ja-JP" altLang="en-US" dirty="0" smtClean="0"/>
+              <a:t>テーブルを指定せずに</a:t>
+            </a:r>
+            <a:r>
+              <a:rPr lang="en-US" altLang="ja-JP" dirty="0" smtClean="0"/>
+              <a:t>SELECT</a:t>
+            </a:r>
+            <a:r>
+              <a:rPr lang="ja-JP" altLang="en-US" dirty="0" smtClean="0"/>
+              <a:t>文で３行</a:t>
+            </a:r>
+            <a:r>
+              <a:rPr lang="en-US" altLang="ja-JP" dirty="0" smtClean="0"/>
+              <a:t>(1,2,3)</a:t>
+            </a:r>
+            <a:r>
+              <a:rPr lang="ja-JP" altLang="en-US" dirty="0" smtClean="0"/>
+              <a:t>作りなさい。</a:t>
+            </a:r>
+            <a:r>
+              <a:rPr lang="en-US" altLang="ja-JP" dirty="0" smtClean="0"/>
+              <a:t/>
+            </a:r>
+            <a:br>
+              <a:rPr lang="en-US" altLang="ja-JP" dirty="0" smtClean="0"/>
+            </a:br>
+            <a:r>
+              <a:rPr lang="ja-JP" altLang="en-US" dirty="0" smtClean="0"/>
+              <a:t>ヒント）　</a:t>
+            </a:r>
+            <a:r>
+              <a:rPr lang="en-US" altLang="ja-JP" dirty="0" smtClean="0"/>
+              <a:t>UNION</a:t>
             </a:r>
             <a:endParaRPr lang="en-US" altLang="ja-JP" dirty="0"/>
           </a:p>
